--- a/Design Docs/DESIGN PROPOSAL v04.pptx
+++ b/Design Docs/DESIGN PROPOSAL v04.pptx
@@ -5214,7 +5214,7 @@
           <a:p>
             <a:r>
               <a:rPr lang="en-CA" sz="2400" dirty="0"/>
-              <a:t>Randomize Tile/Platform Generator scaling with increasing Score at run time.</a:t>
+              <a:t>Procedural Tile Generator scaling with increasing Score at run time.</a:t>
             </a:r>
           </a:p>
           <a:p>
@@ -5232,16 +5232,12 @@
           <a:p>
             <a:r>
               <a:rPr lang="en-CA" sz="2400" dirty="0"/>
-              <a:t>Creating fitting and high-quality music and sounds</a:t>
-            </a:r>
-          </a:p>
-          <a:p>
-            <a:pPr marL="0" indent="0">
-              <a:buNone/>
-            </a:pPr>
-            <a:endParaRPr lang="en-CA" sz="2400" dirty="0"/>
-          </a:p>
-          <a:p>
+              <a:t>Creating fitting and high-quality music </a:t>
+            </a:r>
+            <a:r>
+              <a:rPr lang="en-CA" sz="2400"/>
+              <a:t>and sounds.</a:t>
+            </a:r>
             <a:endParaRPr lang="en-CA" sz="2400" dirty="0"/>
           </a:p>
           <a:p>
